--- a/01 Classes/Aula 05 - Aplicação Cloud Indústria 40 Python IoT Plataforma Raspberry PI.pptx
+++ b/01 Classes/Aula 05 - Aplicação Cloud Indústria 40 Python IoT Plataforma Raspberry PI.pptx
@@ -3935,7 +3935,7 @@
               </a:rPr>
             </a:br>
             <a:r>
-              <a:rPr lang="pt-BR" b="1">
+              <a:rPr lang="pt-BR" b="1" dirty="0">
                 <a:solidFill>
                   <a:schemeClr val="bg1"/>
                 </a:solidFill>
@@ -3963,7 +3963,23 @@
                   <a:schemeClr val="bg1"/>
                 </a:solidFill>
               </a:rPr>
-              <a:t>Desenvolvimento de Aplicações – Plataforma Middleware para IOT em Python</a:t>
+              <a:t>Desenvolvimento de Aplicações – Plataforma Middleware para </a:t>
+            </a:r>
+            <a:r>
+              <a:rPr lang="pt-BR" sz="3600" b="1">
+                <a:solidFill>
+                  <a:schemeClr val="bg1"/>
+                </a:solidFill>
+              </a:rPr>
+              <a:t>IoT</a:t>
+            </a:r>
+            <a:r>
+              <a:rPr lang="pt-BR" sz="3600" b="1" dirty="0">
+                <a:solidFill>
+                  <a:schemeClr val="bg1"/>
+                </a:solidFill>
+              </a:rPr>
+              <a:t> em Python</a:t>
             </a:r>
           </a:p>
         </p:txBody>
